--- a/Supplement_forage_meso/figure forage_mesopel.pptx
+++ b/Supplement_forage_meso/figure forage_mesopel.pptx
@@ -5,8 +5,7 @@
     <p:sldMasterId id="2147483648" r:id="rId1"/>
   </p:sldMasterIdLst>
   <p:sldIdLst>
-    <p:sldId id="256" r:id="rId2"/>
-    <p:sldId id="258" r:id="rId3"/>
+    <p:sldId id="258" r:id="rId2"/>
   </p:sldIdLst>
   <p:sldSz cx="12192000" cy="6858000"/>
   <p:notesSz cx="6858000" cy="9144000"/>
@@ -260,7 +259,7 @@
           <a:p>
             <a:fld id="{73F48FD8-14A1-4173-94DB-F0D20C2A7A17}" type="datetimeFigureOut">
               <a:rPr lang="en-US" smtClean="0"/>
-              <a:t>6/16/2020</a:t>
+              <a:t>6/30/2020</a:t>
             </a:fld>
             <a:endParaRPr lang="en-US"/>
           </a:p>
@@ -458,7 +457,7 @@
           <a:p>
             <a:fld id="{73F48FD8-14A1-4173-94DB-F0D20C2A7A17}" type="datetimeFigureOut">
               <a:rPr lang="en-US" smtClean="0"/>
-              <a:t>6/16/2020</a:t>
+              <a:t>6/30/2020</a:t>
             </a:fld>
             <a:endParaRPr lang="en-US"/>
           </a:p>
@@ -666,7 +665,7 @@
           <a:p>
             <a:fld id="{73F48FD8-14A1-4173-94DB-F0D20C2A7A17}" type="datetimeFigureOut">
               <a:rPr lang="en-US" smtClean="0"/>
-              <a:t>6/16/2020</a:t>
+              <a:t>6/30/2020</a:t>
             </a:fld>
             <a:endParaRPr lang="en-US"/>
           </a:p>
@@ -864,7 +863,7 @@
           <a:p>
             <a:fld id="{73F48FD8-14A1-4173-94DB-F0D20C2A7A17}" type="datetimeFigureOut">
               <a:rPr lang="en-US" smtClean="0"/>
-              <a:t>6/16/2020</a:t>
+              <a:t>6/30/2020</a:t>
             </a:fld>
             <a:endParaRPr lang="en-US"/>
           </a:p>
@@ -1139,7 +1138,7 @@
           <a:p>
             <a:fld id="{73F48FD8-14A1-4173-94DB-F0D20C2A7A17}" type="datetimeFigureOut">
               <a:rPr lang="en-US" smtClean="0"/>
-              <a:t>6/16/2020</a:t>
+              <a:t>6/30/2020</a:t>
             </a:fld>
             <a:endParaRPr lang="en-US"/>
           </a:p>
@@ -1404,7 +1403,7 @@
           <a:p>
             <a:fld id="{73F48FD8-14A1-4173-94DB-F0D20C2A7A17}" type="datetimeFigureOut">
               <a:rPr lang="en-US" smtClean="0"/>
-              <a:t>6/16/2020</a:t>
+              <a:t>6/30/2020</a:t>
             </a:fld>
             <a:endParaRPr lang="en-US"/>
           </a:p>
@@ -1816,7 +1815,7 @@
           <a:p>
             <a:fld id="{73F48FD8-14A1-4173-94DB-F0D20C2A7A17}" type="datetimeFigureOut">
               <a:rPr lang="en-US" smtClean="0"/>
-              <a:t>6/16/2020</a:t>
+              <a:t>6/30/2020</a:t>
             </a:fld>
             <a:endParaRPr lang="en-US"/>
           </a:p>
@@ -1957,7 +1956,7 @@
           <a:p>
             <a:fld id="{73F48FD8-14A1-4173-94DB-F0D20C2A7A17}" type="datetimeFigureOut">
               <a:rPr lang="en-US" smtClean="0"/>
-              <a:t>6/16/2020</a:t>
+              <a:t>6/30/2020</a:t>
             </a:fld>
             <a:endParaRPr lang="en-US"/>
           </a:p>
@@ -2070,7 +2069,7 @@
           <a:p>
             <a:fld id="{73F48FD8-14A1-4173-94DB-F0D20C2A7A17}" type="datetimeFigureOut">
               <a:rPr lang="en-US" smtClean="0"/>
-              <a:t>6/16/2020</a:t>
+              <a:t>6/30/2020</a:t>
             </a:fld>
             <a:endParaRPr lang="en-US"/>
           </a:p>
@@ -2381,7 +2380,7 @@
           <a:p>
             <a:fld id="{73F48FD8-14A1-4173-94DB-F0D20C2A7A17}" type="datetimeFigureOut">
               <a:rPr lang="en-US" smtClean="0"/>
-              <a:t>6/16/2020</a:t>
+              <a:t>6/30/2020</a:t>
             </a:fld>
             <a:endParaRPr lang="en-US"/>
           </a:p>
@@ -2669,7 +2668,7 @@
           <a:p>
             <a:fld id="{73F48FD8-14A1-4173-94DB-F0D20C2A7A17}" type="datetimeFigureOut">
               <a:rPr lang="en-US" smtClean="0"/>
-              <a:t>6/16/2020</a:t>
+              <a:t>6/30/2020</a:t>
             </a:fld>
             <a:endParaRPr lang="en-US"/>
           </a:p>
@@ -2910,7 +2909,7 @@
           <a:p>
             <a:fld id="{73F48FD8-14A1-4173-94DB-F0D20C2A7A17}" type="datetimeFigureOut">
               <a:rPr lang="en-US" smtClean="0"/>
-              <a:t>6/16/2020</a:t>
+              <a:t>6/30/2020</a:t>
             </a:fld>
             <a:endParaRPr lang="en-US"/>
           </a:p>
@@ -3329,86 +3328,6 @@
       </p:grpSpPr>
       <p:sp>
         <p:nvSpPr>
-          <p:cNvPr id="2" name="Title 1">
-            <a:extLst>
-              <a:ext uri="{FF2B5EF4-FFF2-40B4-BE49-F238E27FC236}">
-                <a16:creationId xmlns:a16="http://schemas.microsoft.com/office/drawing/2014/main" id="{BAF046F2-E5E4-45FB-90E2-4A0E1762C884}"/>
-              </a:ext>
-            </a:extLst>
-          </p:cNvPr>
-          <p:cNvSpPr>
-            <a:spLocks noGrp="1"/>
-          </p:cNvSpPr>
-          <p:nvPr>
-            <p:ph type="ctrTitle"/>
-          </p:nvPr>
-        </p:nvSpPr>
-        <p:spPr/>
-        <p:txBody>
-          <a:bodyPr/>
-          <a:lstStyle/>
-          <a:p>
-            <a:endParaRPr lang="en-US"/>
-          </a:p>
-        </p:txBody>
-      </p:sp>
-      <p:sp>
-        <p:nvSpPr>
-          <p:cNvPr id="3" name="Subtitle 2">
-            <a:extLst>
-              <a:ext uri="{FF2B5EF4-FFF2-40B4-BE49-F238E27FC236}">
-                <a16:creationId xmlns:a16="http://schemas.microsoft.com/office/drawing/2014/main" id="{2D22894D-EFAD-4D52-9F2F-9C52E676FCF2}"/>
-              </a:ext>
-            </a:extLst>
-          </p:cNvPr>
-          <p:cNvSpPr>
-            <a:spLocks noGrp="1"/>
-          </p:cNvSpPr>
-          <p:nvPr>
-            <p:ph type="subTitle" idx="1"/>
-          </p:nvPr>
-        </p:nvSpPr>
-        <p:spPr/>
-        <p:txBody>
-          <a:bodyPr/>
-          <a:lstStyle/>
-          <a:p>
-            <a:endParaRPr lang="en-US"/>
-          </a:p>
-        </p:txBody>
-      </p:sp>
-    </p:spTree>
-    <p:extLst>
-      <p:ext uri="{BB962C8B-B14F-4D97-AF65-F5344CB8AC3E}">
-        <p14:creationId xmlns:p14="http://schemas.microsoft.com/office/powerpoint/2010/main" val="2034467905"/>
-      </p:ext>
-    </p:extLst>
-  </p:cSld>
-  <p:clrMapOvr>
-    <a:masterClrMapping/>
-  </p:clrMapOvr>
-</p:sld>
-</file>
-
-<file path=ppt/slides/slide2.xml><?xml version="1.0" encoding="utf-8"?>
-<p:sld xmlns:a="http://schemas.openxmlformats.org/drawingml/2006/main" xmlns:r="http://schemas.openxmlformats.org/officeDocument/2006/relationships" xmlns:p="http://schemas.openxmlformats.org/presentationml/2006/main">
-  <p:cSld>
-    <p:spTree>
-      <p:nvGrpSpPr>
-        <p:cNvPr id="1" name=""/>
-        <p:cNvGrpSpPr/>
-        <p:nvPr/>
-      </p:nvGrpSpPr>
-      <p:grpSpPr>
-        <a:xfrm>
-          <a:off x="0" y="0"/>
-          <a:ext cx="0" cy="0"/>
-          <a:chOff x="0" y="0"/>
-          <a:chExt cx="0" cy="0"/>
-        </a:xfrm>
-      </p:grpSpPr>
-      <p:sp>
-        <p:nvSpPr>
           <p:cNvPr id="1257" name="Rectangle 35">
             <a:extLst>
               <a:ext uri="{FF2B5EF4-FFF2-40B4-BE49-F238E27FC236}">
@@ -16978,7 +16897,7 @@
         <p:spPr>
           <a:xfrm>
             <a:off x="7091499" y="1778726"/>
-            <a:ext cx="953274" cy="461665"/>
+            <a:ext cx="900375" cy="461665"/>
           </a:xfrm>
           <a:prstGeom prst="rect">
             <a:avLst/>
@@ -16999,7 +16918,7 @@
           <a:p>
             <a:r>
               <a:rPr lang="da-DK" sz="1200" dirty="0"/>
-              <a:t>(gr WW m</a:t>
+              <a:t>(g WW m</a:t>
             </a:r>
             <a:r>
               <a:rPr lang="da-DK" sz="1200" baseline="30000" dirty="0"/>
@@ -17222,7 +17141,7 @@
                 <a:effectLst/>
                 <a:latin typeface="Arial" panose="020B0604020202020204" pitchFamily="34" charset="0"/>
               </a:rPr>
-              <a:t>Max. zooplankton prod. (gr WW m</a:t>
+              <a:t>Max. zooplankton prod. (g WW m</a:t>
             </a:r>
             <a:r>
               <a:rPr kumimoji="0" lang="en-US" altLang="en-US" sz="1200" b="0" i="0" u="none" strike="noStrike" cap="none" normalizeH="0" baseline="30000" dirty="0">
